--- a/170121_111coding.pptx
+++ b/170121_111coding.pptx
@@ -114,6 +114,11 @@
       </a:defRPr>
     </a:lvl9pPr>
   </p:defaultTextStyle>
+  <p:extLst>
+    <p:ext uri="{EFAFB233-063F-42B5-8137-9DF3F51BA10A}">
+      <p15:sldGuideLst xmlns:p15="http://schemas.microsoft.com/office/powerpoint/2012/main"/>
+    </p:ext>
+  </p:extLst>
 </p:presentation>
 </file>
 
@@ -199,7 +204,7 @@
           <a:p>
             <a:fld id="{4291DBFA-50A6-FB44-92E1-167A8551B14F}" type="datetimeFigureOut">
               <a:rPr kumimoji="1" lang="ko-KR" altLang="en-US" smtClean="0"/>
-              <a:t>2017. 1. 20.</a:t>
+              <a:t>2017. 1. 21.</a:t>
             </a:fld>
             <a:endParaRPr kumimoji="1" lang="ko-KR" altLang="en-US"/>
           </a:p>
@@ -598,7 +603,7 @@
           <a:p>
             <a:fld id="{DCE68E05-0679-AE47-8705-94E349C11FAE}" type="datetimeFigureOut">
               <a:rPr kumimoji="1" lang="ko-KR" altLang="en-US" smtClean="0"/>
-              <a:t>2017. 1. 20.</a:t>
+              <a:t>2017. 1. 21.</a:t>
             </a:fld>
             <a:endParaRPr kumimoji="1" lang="ko-KR" altLang="en-US"/>
           </a:p>
@@ -768,7 +773,7 @@
           <a:p>
             <a:fld id="{DCE68E05-0679-AE47-8705-94E349C11FAE}" type="datetimeFigureOut">
               <a:rPr kumimoji="1" lang="ko-KR" altLang="en-US" smtClean="0"/>
-              <a:t>2017. 1. 20.</a:t>
+              <a:t>2017. 1. 21.</a:t>
             </a:fld>
             <a:endParaRPr kumimoji="1" lang="ko-KR" altLang="en-US"/>
           </a:p>
@@ -948,7 +953,7 @@
           <a:p>
             <a:fld id="{DCE68E05-0679-AE47-8705-94E349C11FAE}" type="datetimeFigureOut">
               <a:rPr kumimoji="1" lang="ko-KR" altLang="en-US" smtClean="0"/>
-              <a:t>2017. 1. 20.</a:t>
+              <a:t>2017. 1. 21.</a:t>
             </a:fld>
             <a:endParaRPr kumimoji="1" lang="ko-KR" altLang="en-US"/>
           </a:p>
@@ -1118,7 +1123,7 @@
           <a:p>
             <a:fld id="{DCE68E05-0679-AE47-8705-94E349C11FAE}" type="datetimeFigureOut">
               <a:rPr kumimoji="1" lang="ko-KR" altLang="en-US" smtClean="0"/>
-              <a:t>2017. 1. 20.</a:t>
+              <a:t>2017. 1. 21.</a:t>
             </a:fld>
             <a:endParaRPr kumimoji="1" lang="ko-KR" altLang="en-US"/>
           </a:p>
@@ -1364,7 +1369,7 @@
           <a:p>
             <a:fld id="{DCE68E05-0679-AE47-8705-94E349C11FAE}" type="datetimeFigureOut">
               <a:rPr kumimoji="1" lang="ko-KR" altLang="en-US" smtClean="0"/>
-              <a:t>2017. 1. 20.</a:t>
+              <a:t>2017. 1. 21.</a:t>
             </a:fld>
             <a:endParaRPr kumimoji="1" lang="ko-KR" altLang="en-US"/>
           </a:p>
@@ -1596,7 +1601,7 @@
           <a:p>
             <a:fld id="{DCE68E05-0679-AE47-8705-94E349C11FAE}" type="datetimeFigureOut">
               <a:rPr kumimoji="1" lang="ko-KR" altLang="en-US" smtClean="0"/>
-              <a:t>2017. 1. 20.</a:t>
+              <a:t>2017. 1. 21.</a:t>
             </a:fld>
             <a:endParaRPr kumimoji="1" lang="ko-KR" altLang="en-US"/>
           </a:p>
@@ -1963,7 +1968,7 @@
           <a:p>
             <a:fld id="{DCE68E05-0679-AE47-8705-94E349C11FAE}" type="datetimeFigureOut">
               <a:rPr kumimoji="1" lang="ko-KR" altLang="en-US" smtClean="0"/>
-              <a:t>2017. 1. 20.</a:t>
+              <a:t>2017. 1. 21.</a:t>
             </a:fld>
             <a:endParaRPr kumimoji="1" lang="ko-KR" altLang="en-US"/>
           </a:p>
@@ -2081,7 +2086,7 @@
           <a:p>
             <a:fld id="{DCE68E05-0679-AE47-8705-94E349C11FAE}" type="datetimeFigureOut">
               <a:rPr kumimoji="1" lang="ko-KR" altLang="en-US" smtClean="0"/>
-              <a:t>2017. 1. 20.</a:t>
+              <a:t>2017. 1. 21.</a:t>
             </a:fld>
             <a:endParaRPr kumimoji="1" lang="ko-KR" altLang="en-US"/>
           </a:p>
@@ -2176,7 +2181,7 @@
           <a:p>
             <a:fld id="{DCE68E05-0679-AE47-8705-94E349C11FAE}" type="datetimeFigureOut">
               <a:rPr kumimoji="1" lang="ko-KR" altLang="en-US" smtClean="0"/>
-              <a:t>2017. 1. 20.</a:t>
+              <a:t>2017. 1. 21.</a:t>
             </a:fld>
             <a:endParaRPr kumimoji="1" lang="ko-KR" altLang="en-US"/>
           </a:p>
@@ -2453,7 +2458,7 @@
           <a:p>
             <a:fld id="{DCE68E05-0679-AE47-8705-94E349C11FAE}" type="datetimeFigureOut">
               <a:rPr kumimoji="1" lang="ko-KR" altLang="en-US" smtClean="0"/>
-              <a:t>2017. 1. 20.</a:t>
+              <a:t>2017. 1. 21.</a:t>
             </a:fld>
             <a:endParaRPr kumimoji="1" lang="ko-KR" altLang="en-US"/>
           </a:p>
@@ -2706,7 +2711,7 @@
           <a:p>
             <a:fld id="{DCE68E05-0679-AE47-8705-94E349C11FAE}" type="datetimeFigureOut">
               <a:rPr kumimoji="1" lang="ko-KR" altLang="en-US" smtClean="0"/>
-              <a:t>2017. 1. 20.</a:t>
+              <a:t>2017. 1. 21.</a:t>
             </a:fld>
             <a:endParaRPr kumimoji="1" lang="ko-KR" altLang="en-US"/>
           </a:p>
@@ -2919,7 +2924,7 @@
           <a:p>
             <a:fld id="{DCE68E05-0679-AE47-8705-94E349C11FAE}" type="datetimeFigureOut">
               <a:rPr kumimoji="1" lang="ko-KR" altLang="en-US" smtClean="0"/>
-              <a:t>2017. 1. 20.</a:t>
+              <a:t>2017. 1. 21.</a:t>
             </a:fld>
             <a:endParaRPr kumimoji="1" lang="ko-KR" altLang="en-US"/>
           </a:p>
@@ -3362,12 +3367,6 @@
           <a:bodyPr/>
           <a:lstStyle/>
           <a:p>
-            <a:r>
-              <a:rPr kumimoji="1" lang="en-US" altLang="ko-KR" dirty="0" smtClean="0">
-                <a:hlinkClick r:id="rId2"/>
-              </a:rPr>
-              <a:t>http://cinema4dr12.tistory.com/entry/OpenCV-Setting-OpenCV-Development-Environment-in-Xcode</a:t>
-            </a:r>
             <a:endParaRPr kumimoji="1" lang="en-US" altLang="ko-KR" dirty="0" smtClean="0"/>
           </a:p>
           <a:p>
